--- a/CSharpTraining/Slides/CSharp Intro.pptx
+++ b/CSharpTraining/Slides/CSharp Intro.pptx
@@ -317,7 +317,7 @@
             <a:fld id="{C7FD2120-D90C-47AE-ACD6-678422561B74}" type="datetimeFigureOut">
               <a:rPr lang="de-DE" smtClean="0"/>
               <a:pPr/>
-              <a:t>07.04.2015</a:t>
+              <a:t>08.04.2015</a:t>
             </a:fld>
             <a:endParaRPr lang="de-AT"/>
           </a:p>
@@ -7662,11 +7662,7 @@
             <a:pPr lvl="1"/>
             <a:r>
               <a:rPr lang="en-US" sz="1600" dirty="0" smtClean="0"/>
-              <a:t>used </a:t>
-            </a:r>
-            <a:r>
-              <a:rPr lang="en-US" sz="1600" dirty="0" smtClean="0"/>
-              <a:t>to define and </a:t>
+              <a:t>used to define and </a:t>
             </a:r>
             <a:r>
               <a:rPr lang="en-US" sz="1600" dirty="0" err="1" smtClean="0"/>
@@ -7712,11 +7708,24 @@
             <a:pPr lvl="1"/>
             <a:r>
               <a:rPr lang="en-US" sz="1600" dirty="0" smtClean="0"/>
-              <a:t>used </a:t>
-            </a:r>
+              <a:t>used to conditionally skip sections of source code</a:t>
+            </a:r>
+          </a:p>
+          <a:p>
+            <a:r>
+              <a:rPr lang="en-US" sz="2000" dirty="0" smtClean="0">
+                <a:latin typeface="Courier New" pitchFamily="49" charset="0"/>
+                <a:cs typeface="Courier New" pitchFamily="49" charset="0"/>
+              </a:rPr>
+              <a:t>#line</a:t>
+            </a:r>
+            <a:endParaRPr lang="en-US" sz="2000" dirty="0"/>
+          </a:p>
+          <a:p>
+            <a:pPr lvl="1"/>
             <a:r>
               <a:rPr lang="en-US" sz="1600" dirty="0" smtClean="0"/>
-              <a:t>to conditionally skip sections of source code</a:t>
+              <a:t>used to control line numbers emitted for errors and warnings</a:t>
             </a:r>
           </a:p>
           <a:p>
@@ -7725,14 +7734,31 @@
                 <a:latin typeface="Courier New" pitchFamily="49" charset="0"/>
                 <a:cs typeface="Courier New" pitchFamily="49" charset="0"/>
               </a:rPr>
-              <a:t>#</a:t>
-            </a:r>
+              <a:t>#error and #warning</a:t>
+            </a:r>
+            <a:endParaRPr lang="en-US" sz="2000" dirty="0"/>
+          </a:p>
+          <a:p>
+            <a:pPr lvl="1"/>
+            <a:r>
+              <a:rPr lang="en-US" sz="1600" dirty="0" smtClean="0"/>
+              <a:t>used to issue errors and warnings, respectively</a:t>
+            </a:r>
+          </a:p>
+          <a:p>
             <a:r>
               <a:rPr lang="en-US" sz="2000" dirty="0" smtClean="0">
                 <a:latin typeface="Courier New" pitchFamily="49" charset="0"/>
                 <a:cs typeface="Courier New" pitchFamily="49" charset="0"/>
               </a:rPr>
-              <a:t>line</a:t>
+              <a:t>#region and #</a:t>
+            </a:r>
+            <a:r>
+              <a:rPr lang="en-US" sz="2000" dirty="0" err="1" smtClean="0">
+                <a:latin typeface="Courier New" pitchFamily="49" charset="0"/>
+                <a:cs typeface="Courier New" pitchFamily="49" charset="0"/>
+              </a:rPr>
+              <a:t>endregion</a:t>
             </a:r>
             <a:endParaRPr lang="en-US" sz="2000" dirty="0"/>
           </a:p>
@@ -7740,95 +7766,24 @@
             <a:pPr lvl="1"/>
             <a:r>
               <a:rPr lang="en-US" sz="1600" dirty="0" smtClean="0"/>
-              <a:t>used </a:t>
-            </a:r>
+              <a:t>used to explicitly mark sections of source code</a:t>
+            </a:r>
+          </a:p>
+          <a:p>
+            <a:r>
+              <a:rPr lang="en-US" sz="2000" dirty="0" smtClean="0">
+                <a:latin typeface="Courier New" pitchFamily="49" charset="0"/>
+                <a:cs typeface="Courier New" pitchFamily="49" charset="0"/>
+              </a:rPr>
+              <a:t>#pragma</a:t>
+            </a:r>
+            <a:endParaRPr lang="en-US" sz="2000" dirty="0"/>
+          </a:p>
+          <a:p>
+            <a:pPr lvl="1"/>
             <a:r>
               <a:rPr lang="en-US" sz="1600" dirty="0" smtClean="0"/>
-              <a:t>to control line numbers emitted for errors and warnings</a:t>
-            </a:r>
-          </a:p>
-          <a:p>
-            <a:r>
-              <a:rPr lang="en-US" sz="2000" dirty="0" smtClean="0">
-                <a:latin typeface="Courier New" pitchFamily="49" charset="0"/>
-                <a:cs typeface="Courier New" pitchFamily="49" charset="0"/>
-              </a:rPr>
-              <a:t>#error and #</a:t>
-            </a:r>
-            <a:r>
-              <a:rPr lang="en-US" sz="2000" dirty="0" smtClean="0">
-                <a:latin typeface="Courier New" pitchFamily="49" charset="0"/>
-                <a:cs typeface="Courier New" pitchFamily="49" charset="0"/>
-              </a:rPr>
-              <a:t>warning</a:t>
-            </a:r>
-            <a:endParaRPr lang="en-US" sz="2000" dirty="0"/>
-          </a:p>
-          <a:p>
-            <a:pPr lvl="1"/>
-            <a:r>
-              <a:rPr lang="en-US" sz="1600" dirty="0" smtClean="0"/>
-              <a:t>used </a:t>
-            </a:r>
-            <a:r>
-              <a:rPr lang="en-US" sz="1600" dirty="0" smtClean="0"/>
-              <a:t>to issue errors and warnings, respectively</a:t>
-            </a:r>
-          </a:p>
-          <a:p>
-            <a:r>
-              <a:rPr lang="en-US" sz="2000" dirty="0" smtClean="0">
-                <a:latin typeface="Courier New" pitchFamily="49" charset="0"/>
-                <a:cs typeface="Courier New" pitchFamily="49" charset="0"/>
-              </a:rPr>
-              <a:t>#region and #</a:t>
-            </a:r>
-            <a:r>
-              <a:rPr lang="en-US" sz="2000" dirty="0" err="1" smtClean="0">
-                <a:latin typeface="Courier New" pitchFamily="49" charset="0"/>
-                <a:cs typeface="Courier New" pitchFamily="49" charset="0"/>
-              </a:rPr>
-              <a:t>endregion</a:t>
-            </a:r>
-            <a:endParaRPr lang="en-US" sz="2000" dirty="0"/>
-          </a:p>
-          <a:p>
-            <a:pPr lvl="1"/>
-            <a:r>
-              <a:rPr lang="en-US" sz="1600" dirty="0" smtClean="0"/>
-              <a:t>used </a:t>
-            </a:r>
-            <a:r>
-              <a:rPr lang="en-US" sz="1600" dirty="0" smtClean="0"/>
-              <a:t>to explicitly mark sections of source code</a:t>
-            </a:r>
-          </a:p>
-          <a:p>
-            <a:r>
-              <a:rPr lang="en-US" sz="2000" dirty="0" smtClean="0">
-                <a:latin typeface="Courier New" pitchFamily="49" charset="0"/>
-                <a:cs typeface="Courier New" pitchFamily="49" charset="0"/>
-              </a:rPr>
-              <a:t>#</a:t>
-            </a:r>
-            <a:r>
-              <a:rPr lang="en-US" sz="2000" dirty="0" smtClean="0">
-                <a:latin typeface="Courier New" pitchFamily="49" charset="0"/>
-                <a:cs typeface="Courier New" pitchFamily="49" charset="0"/>
-              </a:rPr>
-              <a:t>pragma</a:t>
-            </a:r>
-            <a:endParaRPr lang="en-US" sz="2000" dirty="0"/>
-          </a:p>
-          <a:p>
-            <a:pPr lvl="1"/>
-            <a:r>
-              <a:rPr lang="en-US" sz="1600" dirty="0" smtClean="0"/>
-              <a:t>used </a:t>
-            </a:r>
-            <a:r>
-              <a:rPr lang="en-US" sz="1600" dirty="0" smtClean="0"/>
-              <a:t>to specify optional contextual information to the compiler</a:t>
+              <a:t>used to specify optional contextual information to the compiler</a:t>
             </a:r>
           </a:p>
         </p:txBody>
@@ -10463,15 +10418,19 @@
           <a:p>
             <a:r>
               <a:rPr lang="en-US" dirty="0" smtClean="0"/>
-              <a:t>Represent all values of </a:t>
-            </a:r>
-            <a:r>
-              <a:rPr lang="en-US" dirty="0" err="1" smtClean="0"/>
-              <a:t>ist</a:t>
+              <a:t>Represent all values </a:t>
+            </a:r>
+            <a:r>
+              <a:rPr lang="en-US" smtClean="0"/>
+              <a:t>of </a:t>
+            </a:r>
+            <a:r>
+              <a:rPr lang="en-US" smtClean="0"/>
+              <a:t>its </a:t>
             </a:r>
             <a:r>
               <a:rPr lang="en-US" dirty="0" smtClean="0"/>
-              <a:t> underlying type plus an additional null value</a:t>
+              <a:t>underlying type plus an additional null value</a:t>
             </a:r>
           </a:p>
           <a:p>
